--- a/Slides/Razor_04.pptx
+++ b/Slides/Razor_04.pptx
@@ -283,7 +283,7 @@
           <a:p>
             <a:fld id="{D9DF91C8-6688-4631-AD7F-33FFC495BA42}" type="datetimeFigureOut">
               <a:rPr lang="en-US" smtClean="0"/>
-              <a:t>11/15/2021</a:t>
+              <a:t>1/18/2022</a:t>
             </a:fld>
             <a:endParaRPr lang="en-US"/>
           </a:p>
@@ -16661,7 +16661,7 @@
           <a:p>
             <a:fld id="{FC69B7DB-8367-4EA5-BD31-DC3A1C807884}" type="datetimeFigureOut">
               <a:rPr lang="en-US" smtClean="0"/>
-              <a:t>11/15/2021</a:t>
+              <a:t>1/18/2022</a:t>
             </a:fld>
             <a:endParaRPr lang="en-US" dirty="0"/>
           </a:p>
@@ -17038,7 +17038,7 @@
           <a:p>
             <a:fld id="{FC69B7DB-8367-4EA5-BD31-DC3A1C807884}" type="datetimeFigureOut">
               <a:rPr lang="en-US" smtClean="0"/>
-              <a:t>11/15/2021</a:t>
+              <a:t>1/18/2022</a:t>
             </a:fld>
             <a:endParaRPr lang="en-US" dirty="0"/>
           </a:p>
@@ -17474,7 +17474,7 @@
           <a:p>
             <a:fld id="{FC69B7DB-8367-4EA5-BD31-DC3A1C807884}" type="datetimeFigureOut">
               <a:rPr lang="en-US" smtClean="0"/>
-              <a:t>11/15/2021</a:t>
+              <a:t>1/18/2022</a:t>
             </a:fld>
             <a:endParaRPr lang="en-US" dirty="0"/>
           </a:p>
@@ -18044,7 +18044,7 @@
           <a:p>
             <a:fld id="{FC69B7DB-8367-4EA5-BD31-DC3A1C807884}" type="datetimeFigureOut">
               <a:rPr lang="en-US" smtClean="0"/>
-              <a:t>11/15/2021</a:t>
+              <a:t>1/18/2022</a:t>
             </a:fld>
             <a:endParaRPr lang="en-US" dirty="0"/>
           </a:p>
@@ -18310,7 +18310,7 @@
           <a:p>
             <a:fld id="{FC69B7DB-8367-4EA5-BD31-DC3A1C807884}" type="datetimeFigureOut">
               <a:rPr lang="en-US" smtClean="0"/>
-              <a:t>11/15/2021</a:t>
+              <a:t>1/18/2022</a:t>
             </a:fld>
             <a:endParaRPr lang="en-US" dirty="0"/>
           </a:p>
@@ -18775,7 +18775,7 @@
           <a:p>
             <a:fld id="{FC69B7DB-8367-4EA5-BD31-DC3A1C807884}" type="datetimeFigureOut">
               <a:rPr lang="en-US" smtClean="0"/>
-              <a:t>11/15/2021</a:t>
+              <a:t>1/18/2022</a:t>
             </a:fld>
             <a:endParaRPr lang="en-US" dirty="0"/>
           </a:p>
@@ -19223,7 +19223,7 @@
           <a:p>
             <a:fld id="{FC69B7DB-8367-4EA5-BD31-DC3A1C807884}" type="datetimeFigureOut">
               <a:rPr lang="en-US" smtClean="0"/>
-              <a:t>11/15/2021</a:t>
+              <a:t>1/18/2022</a:t>
             </a:fld>
             <a:endParaRPr lang="en-US" dirty="0"/>
           </a:p>
@@ -19667,7 +19667,7 @@
           <a:p>
             <a:fld id="{FC69B7DB-8367-4EA5-BD31-DC3A1C807884}" type="datetimeFigureOut">
               <a:rPr lang="en-US" smtClean="0"/>
-              <a:t>11/15/2021</a:t>
+              <a:t>1/18/2022</a:t>
             </a:fld>
             <a:endParaRPr lang="en-US" dirty="0"/>
           </a:p>
@@ -19861,7 +19861,7 @@
           <a:p>
             <a:fld id="{FC69B7DB-8367-4EA5-BD31-DC3A1C807884}" type="datetimeFigureOut">
               <a:rPr lang="en-US" smtClean="0"/>
-              <a:t>11/15/2021</a:t>
+              <a:t>1/18/2022</a:t>
             </a:fld>
             <a:endParaRPr lang="en-US" dirty="0"/>
           </a:p>
@@ -41010,7 +41010,7 @@
               <a:rPr lang="en-US" sz="2000" dirty="0">
                 <a:latin typeface="Consolas" panose="020B0609020204030204" pitchFamily="49" charset="0"/>
               </a:rPr>
-              <a:t>@page "{title}“</a:t>
+              <a:t>@page "{title}"</a:t>
             </a:r>
           </a:p>
           <a:p>
@@ -41058,7 +41058,7 @@
               <a:rPr lang="nl-NL" sz="2000" dirty="0">
                 <a:latin typeface="Consolas" panose="020B0609020204030204" pitchFamily="49" charset="0"/>
               </a:rPr>
-              <a:t>?}“</a:t>
+              <a:t>?}"</a:t>
             </a:r>
           </a:p>
           <a:p>
@@ -41644,14 +41644,15 @@
         </p:nvSpPr>
         <p:spPr/>
         <p:txBody>
-          <a:bodyPr/>
+          <a:bodyPr>
+            <a:normAutofit/>
+          </a:bodyPr>
           <a:lstStyle/>
           <a:p>
             <a:r>
-              <a:rPr lang="en-US" dirty="0"/>
+              <a:rPr lang="en-US" sz="2000" dirty="0"/>
               <a:t>Exercise 1: Adding Pages and Handlers to a Web Application
-Exercise 2: Configuring Routes
-</a:t>
+Exercise 2: Configuring Routes</a:t>
             </a:r>
           </a:p>
         </p:txBody>
